--- a/slideDoSquad.pptx
+++ b/slideDoSquad.pptx
@@ -3509,7 +3509,7 @@
         </p:spPr>
         <p:txBody>
           <a:bodyPr>
-            <a:normAutofit/>
+            <a:normAutofit lnSpcReduction="10000"/>
           </a:bodyPr>
           <a:lstStyle/>
           <a:p>
@@ -3579,8 +3579,31 @@
                   <a:srgbClr val="90847F"/>
                 </a:solidFill>
               </a:rPr>
-              <a:t>, Marcelo, Victor, </a:t>
-            </a:r>
+              <a:t> Pessanha, Marcelo </a:t>
+            </a:r>
+            <a:r>
+              <a:rPr lang="pt-BR" sz="2000" dirty="0" err="1">
+                <a:solidFill>
+                  <a:srgbClr val="90847F"/>
+                </a:solidFill>
+              </a:rPr>
+              <a:t>Younes</a:t>
+            </a:r>
+            <a:r>
+              <a:rPr lang="pt-BR" sz="2000" dirty="0">
+                <a:solidFill>
+                  <a:srgbClr val="90847F"/>
+                </a:solidFill>
+              </a:rPr>
+              <a:t>, Victor Santos, </a:t>
+            </a:r>
+          </a:p>
+          <a:p>
+            <a:pPr>
+              <a:lnSpc>
+                <a:spcPct val="100000"/>
+              </a:lnSpc>
+            </a:pPr>
             <a:r>
               <a:rPr lang="pt-BR" sz="2000" dirty="0" err="1">
                 <a:solidFill>
@@ -3595,7 +3618,7 @@
                   <a:srgbClr val="90847F"/>
                 </a:solidFill>
               </a:rPr>
-              <a:t> e Fernanda.</a:t>
+              <a:t> Rodrigues e Fernanda Santos.</a:t>
             </a:r>
           </a:p>
           <a:p>
